--- a/static/甘世维 -up -英语.pptx
+++ b/static/甘世维 -up -英语.pptx
@@ -205,7 +205,7 @@
           <a:p>
             <a:fld id="{0807D5DC-DD01-4B98-B7FD-4EA4DDD29C6C}" type="datetimeFigureOut">
               <a:rPr lang="zh-CN" altLang="en-US" smtClean="0"/>
-              <a:t>2024/6/2</a:t>
+              <a:t>2024/6/3</a:t>
             </a:fld>
             <a:endParaRPr lang="zh-CN" altLang="en-US"/>
           </a:p>
@@ -771,7 +771,7 @@
           <a:p>
             <a:fld id="{4B6E8666-2A6E-4384-96BF-8678C8E462A1}" type="datetimeFigureOut">
               <a:rPr lang="zh-CN" altLang="en-US" smtClean="0"/>
-              <a:t>2024/6/2</a:t>
+              <a:t>2024/6/3</a:t>
             </a:fld>
             <a:endParaRPr lang="zh-CN" altLang="en-US"/>
           </a:p>
@@ -984,7 +984,7 @@
           <a:p>
             <a:fld id="{4B6E8666-2A6E-4384-96BF-8678C8E462A1}" type="datetimeFigureOut">
               <a:rPr lang="zh-CN" altLang="en-US" smtClean="0"/>
-              <a:t>2024/6/2</a:t>
+              <a:t>2024/6/3</a:t>
             </a:fld>
             <a:endParaRPr lang="zh-CN" altLang="en-US"/>
           </a:p>
@@ -5617,7 +5617,27 @@
                 <a:latin typeface="微软雅黑" panose="020B0503020204020204" pitchFamily="34" charset="-122"/>
                 <a:ea typeface="微软雅黑" panose="020B0503020204020204" pitchFamily="34" charset="-122"/>
               </a:rPr>
-              <a:t>IELTS: 7.0 (Listening:6.5, Reading: 8.5, Writing: 6.0, Speaking: 6.0 </a:t>
+              <a:t>IELTS: 7.0 (Listening:6.5, Reading: 8.5, Writing: 6.0, Speaking: 6.0</a:t>
+            </a:r>
+            <a:r>
+              <a:rPr lang="zh-CN" altLang="en-US" sz="1000" b="1">
+                <a:solidFill>
+                  <a:srgbClr val="6A6A6A"/>
+                </a:solidFill>
+                <a:latin typeface="微软雅黑" panose="020B0503020204020204" pitchFamily="34" charset="-122"/>
+                <a:ea typeface="微软雅黑" panose="020B0503020204020204" pitchFamily="34" charset="-122"/>
+              </a:rPr>
+              <a:t>）</a:t>
+            </a:r>
+            <a:r>
+              <a:rPr lang="en-US" altLang="zh-CN" sz="1000" b="1">
+                <a:solidFill>
+                  <a:srgbClr val="6A6A6A"/>
+                </a:solidFill>
+                <a:latin typeface="微软雅黑" panose="020B0503020204020204" pitchFamily="34" charset="-122"/>
+                <a:ea typeface="微软雅黑" panose="020B0503020204020204" pitchFamily="34" charset="-122"/>
+              </a:rPr>
+              <a:t> </a:t>
             </a:r>
             <a:endParaRPr lang="en-US" altLang="zh-CN" sz="1000" dirty="0">
               <a:solidFill>

--- a/static/甘世维 -up -英语.pptx
+++ b/static/甘世维 -up -英语.pptx
@@ -205,7 +205,7 @@
           <a:p>
             <a:fld id="{0807D5DC-DD01-4B98-B7FD-4EA4DDD29C6C}" type="datetimeFigureOut">
               <a:rPr lang="zh-CN" altLang="en-US" smtClean="0"/>
-              <a:t>2024/6/3</a:t>
+              <a:t>2024/8/20</a:t>
             </a:fld>
             <a:endParaRPr lang="zh-CN" altLang="en-US"/>
           </a:p>
@@ -771,7 +771,7 @@
           <a:p>
             <a:fld id="{4B6E8666-2A6E-4384-96BF-8678C8E462A1}" type="datetimeFigureOut">
               <a:rPr lang="zh-CN" altLang="en-US" smtClean="0"/>
-              <a:t>2024/6/3</a:t>
+              <a:t>2024/8/20</a:t>
             </a:fld>
             <a:endParaRPr lang="zh-CN" altLang="en-US"/>
           </a:p>
@@ -984,7 +984,7 @@
           <a:p>
             <a:fld id="{4B6E8666-2A6E-4384-96BF-8678C8E462A1}" type="datetimeFigureOut">
               <a:rPr lang="zh-CN" altLang="en-US" smtClean="0"/>
-              <a:t>2024/6/3</a:t>
+              <a:t>2024/8/20</a:t>
             </a:fld>
             <a:endParaRPr lang="zh-CN" altLang="en-US"/>
           </a:p>
@@ -3774,7 +3774,7 @@
                 <a:latin typeface="微软雅黑" panose="020B0503020204020204" pitchFamily="34" charset="-122"/>
                 <a:ea typeface="微软雅黑" panose="020B0503020204020204" pitchFamily="34" charset="-122"/>
               </a:rPr>
-              <a:t>, Lei Xie, Sanglu Lu. A real-time sign language recognition and translation system and method based on edge devices.  Application Publication Number: CN117218725A</a:t>
+              <a:t>, Lei Xie, Sanglu Lu. A real-time sign language recognition and translation system and method based on edge devices.  Application Publication Number: CN117218725A  2023.12.12</a:t>
             </a:r>
           </a:p>
         </p:txBody>
@@ -3896,7 +3896,7 @@
                 <a:latin typeface="微软雅黑" panose="020B0503020204020204" pitchFamily="34" charset="-122"/>
                 <a:ea typeface="微软雅黑" panose="020B0503020204020204" pitchFamily="34" charset="-122"/>
               </a:rPr>
-              <a:t>Publication Number: CN111797777A</a:t>
+              <a:t>Publication Number: CN111797777A 2020.10.20</a:t>
             </a:r>
           </a:p>
         </p:txBody>
